--- a/Presentation.pptx
+++ b/Presentation.pptx
@@ -9,8 +9,10 @@
     <p:sldId id="257" r:id="rId3"/>
     <p:sldId id="258" r:id="rId4"/>
     <p:sldId id="259" r:id="rId5"/>
-    <p:sldId id="260" r:id="rId6"/>
-    <p:sldId id="261" r:id="rId7"/>
+    <p:sldId id="262" r:id="rId6"/>
+    <p:sldId id="263" r:id="rId7"/>
+    <p:sldId id="260" r:id="rId8"/>
+    <p:sldId id="261" r:id="rId9"/>
   </p:sldIdLst>
   <p:sldSz cx="12192000" cy="6858000"/>
   <p:notesSz cx="6858000" cy="9144000"/>
@@ -109,6 +111,11 @@
       </a:defRPr>
     </a:lvl9pPr>
   </p:defaultTextStyle>
+  <p:extLst>
+    <p:ext uri="{EFAFB233-063F-42B5-8137-9DF3F51BA10A}">
+      <p15:sldGuideLst xmlns:p15="http://schemas.microsoft.com/office/powerpoint/2012/main"/>
+    </p:ext>
+  </p:extLst>
 </p:presentation>
 </file>
 
@@ -288,7 +295,7 @@
           </a:lstStyle>
           <a:p>
             <a:r>
-              <a:rPr lang="en-US" smtClean="0"/>
+              <a:rPr lang="en-US"/>
               <a:t>Click to edit Master title style</a:t>
             </a:r>
             <a:endParaRPr lang="en-US" dirty="0"/>
@@ -408,7 +415,7 @@
           </a:lstStyle>
           <a:p>
             <a:r>
-              <a:rPr lang="en-US" smtClean="0"/>
+              <a:rPr lang="en-US"/>
               <a:t>Click to edit Master subtitle style</a:t>
             </a:r>
             <a:endParaRPr lang="en-US" dirty="0"/>
@@ -447,7 +454,7 @@
           <a:p>
             <a:fld id="{AD9C5A39-4162-464A-B4B6-149EF4FCD530}" type="datetimeFigureOut">
               <a:rPr lang="en-US" smtClean="0"/>
-              <a:t>5/1/2016</a:t>
+              <a:t>5/2/2016</a:t>
             </a:fld>
             <a:endParaRPr lang="en-US"/>
           </a:p>
@@ -1358,7 +1365,7 @@
           </a:lstStyle>
           <a:p>
             <a:r>
-              <a:rPr lang="en-US" smtClean="0"/>
+              <a:rPr lang="en-US"/>
               <a:t>Click to edit Master title style</a:t>
             </a:r>
             <a:endParaRPr lang="en-US" dirty="0"/>
@@ -1437,7 +1444,7 @@
           </a:lstStyle>
           <a:p>
             <a:r>
-              <a:rPr lang="en-US" smtClean="0"/>
+              <a:rPr lang="en-US"/>
               <a:t>Click icon to add picture</a:t>
             </a:r>
             <a:endParaRPr lang="en-US" dirty="0"/>
@@ -1512,7 +1519,7 @@
           <a:p>
             <a:pPr lvl="0"/>
             <a:r>
-              <a:rPr lang="en-US" smtClean="0"/>
+              <a:rPr lang="en-US"/>
               <a:t>Click to edit Master text styles</a:t>
             </a:r>
           </a:p>
@@ -1535,7 +1542,7 @@
           <a:p>
             <a:fld id="{AD9C5A39-4162-464A-B4B6-149EF4FCD530}" type="datetimeFigureOut">
               <a:rPr lang="en-US" smtClean="0"/>
-              <a:t>5/1/2016</a:t>
+              <a:t>5/2/2016</a:t>
             </a:fld>
             <a:endParaRPr lang="en-US"/>
           </a:p>
@@ -2424,7 +2431,7 @@
           </a:lstStyle>
           <a:p>
             <a:r>
-              <a:rPr lang="en-US" smtClean="0"/>
+              <a:rPr lang="en-US"/>
               <a:t>Click to edit Master title style</a:t>
             </a:r>
             <a:endParaRPr lang="en-US" dirty="0"/>
@@ -2492,7 +2499,7 @@
           <a:p>
             <a:pPr lvl="0"/>
             <a:r>
-              <a:rPr lang="en-US" smtClean="0"/>
+              <a:rPr lang="en-US"/>
               <a:t>Click to edit Master text styles</a:t>
             </a:r>
           </a:p>
@@ -2515,7 +2522,7 @@
           <a:p>
             <a:fld id="{AD9C5A39-4162-464A-B4B6-149EF4FCD530}" type="datetimeFigureOut">
               <a:rPr lang="en-US" smtClean="0"/>
-              <a:t>5/1/2016</a:t>
+              <a:t>5/2/2016</a:t>
             </a:fld>
             <a:endParaRPr lang="en-US"/>
           </a:p>
@@ -3482,7 +3489,7 @@
           </a:lstStyle>
           <a:p>
             <a:r>
-              <a:rPr lang="en-US" smtClean="0"/>
+              <a:rPr lang="en-US"/>
               <a:t>Click to edit Master title style</a:t>
             </a:r>
             <a:endParaRPr lang="en-US" dirty="0"/>
@@ -3559,7 +3566,7 @@
           <a:p>
             <a:pPr lvl="0"/>
             <a:r>
-              <a:rPr lang="en-US" smtClean="0"/>
+              <a:rPr lang="en-US"/>
               <a:t>Click to edit Master text styles</a:t>
             </a:r>
           </a:p>
@@ -3626,7 +3633,7 @@
           <a:p>
             <a:pPr lvl="0"/>
             <a:r>
-              <a:rPr lang="en-US" smtClean="0"/>
+              <a:rPr lang="en-US"/>
               <a:t>Click to edit Master text styles</a:t>
             </a:r>
           </a:p>
@@ -3649,7 +3656,7 @@
           <a:p>
             <a:fld id="{AD9C5A39-4162-464A-B4B6-149EF4FCD530}" type="datetimeFigureOut">
               <a:rPr lang="en-US" smtClean="0"/>
-              <a:t>5/1/2016</a:t>
+              <a:t>5/2/2016</a:t>
             </a:fld>
             <a:endParaRPr lang="en-US"/>
           </a:p>
@@ -4538,7 +4545,7 @@
           </a:lstStyle>
           <a:p>
             <a:r>
-              <a:rPr lang="en-US" smtClean="0"/>
+              <a:rPr lang="en-US"/>
               <a:t>Click to edit Master title style</a:t>
             </a:r>
             <a:endParaRPr lang="en-US" dirty="0"/>
@@ -4659,7 +4666,7 @@
           <a:p>
             <a:pPr lvl="0"/>
             <a:r>
-              <a:rPr lang="en-US" smtClean="0"/>
+              <a:rPr lang="en-US"/>
               <a:t>Click to edit Master text styles</a:t>
             </a:r>
           </a:p>
@@ -4682,7 +4689,7 @@
           <a:p>
             <a:fld id="{AD9C5A39-4162-464A-B4B6-149EF4FCD530}" type="datetimeFigureOut">
               <a:rPr lang="en-US" smtClean="0"/>
-              <a:t>5/1/2016</a:t>
+              <a:t>5/2/2016</a:t>
             </a:fld>
             <a:endParaRPr lang="en-US"/>
           </a:p>
@@ -4821,7 +4828,7 @@
           </a:lstStyle>
           <a:p>
             <a:r>
-              <a:rPr lang="en-US" smtClean="0"/>
+              <a:rPr lang="en-US"/>
               <a:t>Click to edit Master title style</a:t>
             </a:r>
             <a:endParaRPr lang="en-US" dirty="0"/>
@@ -4896,7 +4903,7 @@
           <a:p>
             <a:pPr lvl="0"/>
             <a:r>
-              <a:rPr lang="en-US" smtClean="0"/>
+              <a:rPr lang="en-US"/>
               <a:t>Click to edit Master text styles</a:t>
             </a:r>
           </a:p>
@@ -4963,7 +4970,7 @@
           <a:p>
             <a:pPr lvl="0"/>
             <a:r>
-              <a:rPr lang="en-US" smtClean="0"/>
+              <a:rPr lang="en-US"/>
               <a:t>Click to edit Master text styles</a:t>
             </a:r>
           </a:p>
@@ -5037,7 +5044,7 @@
           <a:p>
             <a:pPr lvl="0"/>
             <a:r>
-              <a:rPr lang="en-US" smtClean="0"/>
+              <a:rPr lang="en-US"/>
               <a:t>Click to edit Master text styles</a:t>
             </a:r>
           </a:p>
@@ -5104,7 +5111,7 @@
           <a:p>
             <a:pPr lvl="0"/>
             <a:r>
-              <a:rPr lang="en-US" smtClean="0"/>
+              <a:rPr lang="en-US"/>
               <a:t>Click to edit Master text styles</a:t>
             </a:r>
           </a:p>
@@ -5178,7 +5185,7 @@
           <a:p>
             <a:pPr lvl="0"/>
             <a:r>
-              <a:rPr lang="en-US" smtClean="0"/>
+              <a:rPr lang="en-US"/>
               <a:t>Click to edit Master text styles</a:t>
             </a:r>
           </a:p>
@@ -5245,7 +5252,7 @@
           <a:p>
             <a:pPr lvl="0"/>
             <a:r>
-              <a:rPr lang="en-US" smtClean="0"/>
+              <a:rPr lang="en-US"/>
               <a:t>Click to edit Master text styles</a:t>
             </a:r>
           </a:p>
@@ -5342,7 +5349,7 @@
           <a:p>
             <a:fld id="{AD9C5A39-4162-464A-B4B6-149EF4FCD530}" type="datetimeFigureOut">
               <a:rPr lang="en-US" smtClean="0"/>
-              <a:t>5/1/2016</a:t>
+              <a:t>5/2/2016</a:t>
             </a:fld>
             <a:endParaRPr lang="en-US"/>
           </a:p>
@@ -5445,7 +5452,7 @@
           </a:lstStyle>
           <a:p>
             <a:r>
-              <a:rPr lang="en-US" smtClean="0"/>
+              <a:rPr lang="en-US"/>
               <a:t>Click to edit Master title style</a:t>
             </a:r>
             <a:endParaRPr lang="en-US" dirty="0"/>
@@ -5520,7 +5527,7 @@
           <a:p>
             <a:pPr lvl="0"/>
             <a:r>
-              <a:rPr lang="en-US" smtClean="0"/>
+              <a:rPr lang="en-US"/>
               <a:t>Click to edit Master text styles</a:t>
             </a:r>
           </a:p>
@@ -5598,7 +5605,7 @@
           </a:lstStyle>
           <a:p>
             <a:r>
-              <a:rPr lang="en-US" smtClean="0"/>
+              <a:rPr lang="en-US"/>
               <a:t>Click icon to add picture</a:t>
             </a:r>
             <a:endParaRPr lang="en-US" dirty="0"/>
@@ -5666,7 +5673,7 @@
           <a:p>
             <a:pPr lvl="0"/>
             <a:r>
-              <a:rPr lang="en-US" smtClean="0"/>
+              <a:rPr lang="en-US"/>
               <a:t>Click to edit Master text styles</a:t>
             </a:r>
           </a:p>
@@ -5740,7 +5747,7 @@
           <a:p>
             <a:pPr lvl="0"/>
             <a:r>
-              <a:rPr lang="en-US" smtClean="0"/>
+              <a:rPr lang="en-US"/>
               <a:t>Click to edit Master text styles</a:t>
             </a:r>
           </a:p>
@@ -5818,7 +5825,7 @@
           </a:lstStyle>
           <a:p>
             <a:r>
-              <a:rPr lang="en-US" smtClean="0"/>
+              <a:rPr lang="en-US"/>
               <a:t>Click icon to add picture</a:t>
             </a:r>
             <a:endParaRPr lang="en-US" dirty="0"/>
@@ -5886,7 +5893,7 @@
           <a:p>
             <a:pPr lvl="0"/>
             <a:r>
-              <a:rPr lang="en-US" smtClean="0"/>
+              <a:rPr lang="en-US"/>
               <a:t>Click to edit Master text styles</a:t>
             </a:r>
           </a:p>
@@ -5960,7 +5967,7 @@
           <a:p>
             <a:pPr lvl="0"/>
             <a:r>
-              <a:rPr lang="en-US" smtClean="0"/>
+              <a:rPr lang="en-US"/>
               <a:t>Click to edit Master text styles</a:t>
             </a:r>
           </a:p>
@@ -6038,7 +6045,7 @@
           </a:lstStyle>
           <a:p>
             <a:r>
-              <a:rPr lang="en-US" smtClean="0"/>
+              <a:rPr lang="en-US"/>
               <a:t>Click icon to add picture</a:t>
             </a:r>
             <a:endParaRPr lang="en-US" dirty="0"/>
@@ -6106,7 +6113,7 @@
           <a:p>
             <a:pPr lvl="0"/>
             <a:r>
-              <a:rPr lang="en-US" smtClean="0"/>
+              <a:rPr lang="en-US"/>
               <a:t>Click to edit Master text styles</a:t>
             </a:r>
           </a:p>
@@ -6203,7 +6210,7 @@
           <a:p>
             <a:fld id="{AD9C5A39-4162-464A-B4B6-149EF4FCD530}" type="datetimeFigureOut">
               <a:rPr lang="en-US" smtClean="0"/>
-              <a:t>5/1/2016</a:t>
+              <a:t>5/2/2016</a:t>
             </a:fld>
             <a:endParaRPr lang="en-US"/>
           </a:p>
@@ -6307,7 +6314,7 @@
           <a:lstStyle/>
           <a:p>
             <a:r>
-              <a:rPr lang="en-US" smtClean="0"/>
+              <a:rPr lang="en-US"/>
               <a:t>Click to edit Master title style</a:t>
             </a:r>
             <a:endParaRPr lang="en-US" dirty="0"/>
@@ -6336,35 +6343,35 @@
           <a:p>
             <a:pPr lvl="0"/>
             <a:r>
-              <a:rPr lang="en-US" smtClean="0"/>
+              <a:rPr lang="en-US"/>
               <a:t>Click to edit Master text styles</a:t>
             </a:r>
           </a:p>
           <a:p>
             <a:pPr lvl="1"/>
             <a:r>
-              <a:rPr lang="en-US" smtClean="0"/>
+              <a:rPr lang="en-US"/>
               <a:t>Second level</a:t>
             </a:r>
           </a:p>
           <a:p>
             <a:pPr lvl="2"/>
             <a:r>
-              <a:rPr lang="en-US" smtClean="0"/>
+              <a:rPr lang="en-US"/>
               <a:t>Third level</a:t>
             </a:r>
           </a:p>
           <a:p>
             <a:pPr lvl="3"/>
             <a:r>
-              <a:rPr lang="en-US" smtClean="0"/>
+              <a:rPr lang="en-US"/>
               <a:t>Fourth level</a:t>
             </a:r>
           </a:p>
           <a:p>
             <a:pPr lvl="4"/>
             <a:r>
-              <a:rPr lang="en-US" smtClean="0"/>
+              <a:rPr lang="en-US"/>
               <a:t>Fifth level</a:t>
             </a:r>
             <a:endParaRPr lang="en-US" dirty="0"/>
@@ -6393,7 +6400,7 @@
           <a:p>
             <a:fld id="{AD9C5A39-4162-464A-B4B6-149EF4FCD530}" type="datetimeFigureOut">
               <a:rPr lang="en-US" smtClean="0"/>
-              <a:t>5/1/2016</a:t>
+              <a:t>5/2/2016</a:t>
             </a:fld>
             <a:endParaRPr lang="en-US"/>
           </a:p>
@@ -7279,7 +7286,7 @@
           <a:lstStyle/>
           <a:p>
             <a:r>
-              <a:rPr lang="en-US" smtClean="0"/>
+              <a:rPr lang="en-US"/>
               <a:t>Click to edit Master title style</a:t>
             </a:r>
             <a:endParaRPr lang="en-US" dirty="0"/>
@@ -7308,35 +7315,35 @@
           <a:p>
             <a:pPr lvl="0"/>
             <a:r>
-              <a:rPr lang="en-US" smtClean="0"/>
+              <a:rPr lang="en-US"/>
               <a:t>Click to edit Master text styles</a:t>
             </a:r>
           </a:p>
           <a:p>
             <a:pPr lvl="1"/>
             <a:r>
-              <a:rPr lang="en-US" smtClean="0"/>
+              <a:rPr lang="en-US"/>
               <a:t>Second level</a:t>
             </a:r>
           </a:p>
           <a:p>
             <a:pPr lvl="2"/>
             <a:r>
-              <a:rPr lang="en-US" smtClean="0"/>
+              <a:rPr lang="en-US"/>
               <a:t>Third level</a:t>
             </a:r>
           </a:p>
           <a:p>
             <a:pPr lvl="3"/>
             <a:r>
-              <a:rPr lang="en-US" smtClean="0"/>
+              <a:rPr lang="en-US"/>
               <a:t>Fourth level</a:t>
             </a:r>
           </a:p>
           <a:p>
             <a:pPr lvl="4"/>
             <a:r>
-              <a:rPr lang="en-US" smtClean="0"/>
+              <a:rPr lang="en-US"/>
               <a:t>Fifth level</a:t>
             </a:r>
             <a:endParaRPr lang="en-US" dirty="0"/>
@@ -7365,7 +7372,7 @@
           <a:p>
             <a:fld id="{AD9C5A39-4162-464A-B4B6-149EF4FCD530}" type="datetimeFigureOut">
               <a:rPr lang="en-US" smtClean="0"/>
-              <a:t>5/1/2016</a:t>
+              <a:t>5/2/2016</a:t>
             </a:fld>
             <a:endParaRPr lang="en-US"/>
           </a:p>
@@ -7495,7 +7502,7 @@
           <a:lstStyle/>
           <a:p>
             <a:r>
-              <a:rPr lang="en-US" smtClean="0"/>
+              <a:rPr lang="en-US"/>
               <a:t>Click to edit Master title style</a:t>
             </a:r>
             <a:endParaRPr lang="en-US" dirty="0"/>
@@ -7524,35 +7531,35 @@
           <a:p>
             <a:pPr lvl="0"/>
             <a:r>
-              <a:rPr lang="en-US" smtClean="0"/>
+              <a:rPr lang="en-US"/>
               <a:t>Click to edit Master text styles</a:t>
             </a:r>
           </a:p>
           <a:p>
             <a:pPr lvl="1"/>
             <a:r>
-              <a:rPr lang="en-US" smtClean="0"/>
+              <a:rPr lang="en-US"/>
               <a:t>Second level</a:t>
             </a:r>
           </a:p>
           <a:p>
             <a:pPr lvl="2"/>
             <a:r>
-              <a:rPr lang="en-US" smtClean="0"/>
+              <a:rPr lang="en-US"/>
               <a:t>Third level</a:t>
             </a:r>
           </a:p>
           <a:p>
             <a:pPr lvl="3"/>
             <a:r>
-              <a:rPr lang="en-US" smtClean="0"/>
+              <a:rPr lang="en-US"/>
               <a:t>Fourth level</a:t>
             </a:r>
           </a:p>
           <a:p>
             <a:pPr lvl="4"/>
             <a:r>
-              <a:rPr lang="en-US" smtClean="0"/>
+              <a:rPr lang="en-US"/>
               <a:t>Fifth level</a:t>
             </a:r>
             <a:endParaRPr lang="en-US" dirty="0"/>
@@ -7576,7 +7583,7 @@
           <a:p>
             <a:fld id="{AD9C5A39-4162-464A-B4B6-149EF4FCD530}" type="datetimeFigureOut">
               <a:rPr lang="en-US" smtClean="0"/>
-              <a:t>5/1/2016</a:t>
+              <a:t>5/2/2016</a:t>
             </a:fld>
             <a:endParaRPr lang="en-US"/>
           </a:p>
@@ -8466,7 +8473,7 @@
           </a:lstStyle>
           <a:p>
             <a:r>
-              <a:rPr lang="en-US" smtClean="0"/>
+              <a:rPr lang="en-US"/>
               <a:t>Click to edit Master title style</a:t>
             </a:r>
             <a:endParaRPr lang="en-US" dirty="0"/>
@@ -8587,7 +8594,7 @@
           <a:p>
             <a:pPr lvl="0"/>
             <a:r>
-              <a:rPr lang="en-US" smtClean="0"/>
+              <a:rPr lang="en-US"/>
               <a:t>Click to edit Master text styles</a:t>
             </a:r>
           </a:p>
@@ -8610,7 +8617,7 @@
           <a:p>
             <a:fld id="{AD9C5A39-4162-464A-B4B6-149EF4FCD530}" type="datetimeFigureOut">
               <a:rPr lang="en-US" smtClean="0"/>
-              <a:t>5/1/2016</a:t>
+              <a:t>5/2/2016</a:t>
             </a:fld>
             <a:endParaRPr lang="en-US"/>
           </a:p>
@@ -8740,7 +8747,7 @@
           <a:lstStyle/>
           <a:p>
             <a:r>
-              <a:rPr lang="en-US" smtClean="0"/>
+              <a:rPr lang="en-US"/>
               <a:t>Click to edit Master title style</a:t>
             </a:r>
             <a:endParaRPr lang="en-US" dirty="0"/>
@@ -8771,35 +8778,35 @@
           <a:p>
             <a:pPr lvl="0"/>
             <a:r>
-              <a:rPr lang="en-US" smtClean="0"/>
+              <a:rPr lang="en-US"/>
               <a:t>Click to edit Master text styles</a:t>
             </a:r>
           </a:p>
           <a:p>
             <a:pPr lvl="1"/>
             <a:r>
-              <a:rPr lang="en-US" smtClean="0"/>
+              <a:rPr lang="en-US"/>
               <a:t>Second level</a:t>
             </a:r>
           </a:p>
           <a:p>
             <a:pPr lvl="2"/>
             <a:r>
-              <a:rPr lang="en-US" smtClean="0"/>
+              <a:rPr lang="en-US"/>
               <a:t>Third level</a:t>
             </a:r>
           </a:p>
           <a:p>
             <a:pPr lvl="3"/>
             <a:r>
-              <a:rPr lang="en-US" smtClean="0"/>
+              <a:rPr lang="en-US"/>
               <a:t>Fourth level</a:t>
             </a:r>
           </a:p>
           <a:p>
             <a:pPr lvl="4"/>
             <a:r>
-              <a:rPr lang="en-US" smtClean="0"/>
+              <a:rPr lang="en-US"/>
               <a:t>Fifth level</a:t>
             </a:r>
             <a:endParaRPr lang="en-US" dirty="0"/>
@@ -8830,35 +8837,35 @@
           <a:p>
             <a:pPr lvl="0"/>
             <a:r>
-              <a:rPr lang="en-US" smtClean="0"/>
+              <a:rPr lang="en-US"/>
               <a:t>Click to edit Master text styles</a:t>
             </a:r>
           </a:p>
           <a:p>
             <a:pPr lvl="1"/>
             <a:r>
-              <a:rPr lang="en-US" smtClean="0"/>
+              <a:rPr lang="en-US"/>
               <a:t>Second level</a:t>
             </a:r>
           </a:p>
           <a:p>
             <a:pPr lvl="2"/>
             <a:r>
-              <a:rPr lang="en-US" smtClean="0"/>
+              <a:rPr lang="en-US"/>
               <a:t>Third level</a:t>
             </a:r>
           </a:p>
           <a:p>
             <a:pPr lvl="3"/>
             <a:r>
-              <a:rPr lang="en-US" smtClean="0"/>
+              <a:rPr lang="en-US"/>
               <a:t>Fourth level</a:t>
             </a:r>
           </a:p>
           <a:p>
             <a:pPr lvl="4"/>
             <a:r>
-              <a:rPr lang="en-US" smtClean="0"/>
+              <a:rPr lang="en-US"/>
               <a:t>Fifth level</a:t>
             </a:r>
             <a:endParaRPr lang="en-US" dirty="0"/>
@@ -8882,7 +8889,7 @@
           <a:p>
             <a:fld id="{AD9C5A39-4162-464A-B4B6-149EF4FCD530}" type="datetimeFigureOut">
               <a:rPr lang="en-US" smtClean="0"/>
-              <a:t>5/1/2016</a:t>
+              <a:t>5/2/2016</a:t>
             </a:fld>
             <a:endParaRPr lang="en-US"/>
           </a:p>
@@ -8980,7 +8987,7 @@
           </a:lstStyle>
           <a:p>
             <a:r>
-              <a:rPr lang="en-US" smtClean="0"/>
+              <a:rPr lang="en-US"/>
               <a:t>Click to edit Master title style</a:t>
             </a:r>
             <a:endParaRPr lang="en-US" dirty="0"/>
@@ -9052,7 +9059,7 @@
           <a:p>
             <a:pPr lvl="0"/>
             <a:r>
-              <a:rPr lang="en-US" smtClean="0"/>
+              <a:rPr lang="en-US"/>
               <a:t>Click to edit Master text styles</a:t>
             </a:r>
           </a:p>
@@ -9082,35 +9089,35 @@
           <a:p>
             <a:pPr lvl="0"/>
             <a:r>
-              <a:rPr lang="en-US" smtClean="0"/>
+              <a:rPr lang="en-US"/>
               <a:t>Click to edit Master text styles</a:t>
             </a:r>
           </a:p>
           <a:p>
             <a:pPr lvl="1"/>
             <a:r>
-              <a:rPr lang="en-US" smtClean="0"/>
+              <a:rPr lang="en-US"/>
               <a:t>Second level</a:t>
             </a:r>
           </a:p>
           <a:p>
             <a:pPr lvl="2"/>
             <a:r>
-              <a:rPr lang="en-US" smtClean="0"/>
+              <a:rPr lang="en-US"/>
               <a:t>Third level</a:t>
             </a:r>
           </a:p>
           <a:p>
             <a:pPr lvl="3"/>
             <a:r>
-              <a:rPr lang="en-US" smtClean="0"/>
+              <a:rPr lang="en-US"/>
               <a:t>Fourth level</a:t>
             </a:r>
           </a:p>
           <a:p>
             <a:pPr lvl="4"/>
             <a:r>
-              <a:rPr lang="en-US" smtClean="0"/>
+              <a:rPr lang="en-US"/>
               <a:t>Fifth level</a:t>
             </a:r>
             <a:endParaRPr lang="en-US" dirty="0"/>
@@ -9182,7 +9189,7 @@
           <a:p>
             <a:pPr lvl="0"/>
             <a:r>
-              <a:rPr lang="en-US" smtClean="0"/>
+              <a:rPr lang="en-US"/>
               <a:t>Click to edit Master text styles</a:t>
             </a:r>
           </a:p>
@@ -9240,35 +9247,35 @@
           <a:p>
             <a:pPr lvl="0"/>
             <a:r>
-              <a:rPr lang="en-US" smtClean="0"/>
+              <a:rPr lang="en-US"/>
               <a:t>Click to edit Master text styles</a:t>
             </a:r>
           </a:p>
           <a:p>
             <a:pPr lvl="1"/>
             <a:r>
-              <a:rPr lang="en-US" smtClean="0"/>
+              <a:rPr lang="en-US"/>
               <a:t>Second level</a:t>
             </a:r>
           </a:p>
           <a:p>
             <a:pPr lvl="2"/>
             <a:r>
-              <a:rPr lang="en-US" smtClean="0"/>
+              <a:rPr lang="en-US"/>
               <a:t>Third level</a:t>
             </a:r>
           </a:p>
           <a:p>
             <a:pPr lvl="3"/>
             <a:r>
-              <a:rPr lang="en-US" smtClean="0"/>
+              <a:rPr lang="en-US"/>
               <a:t>Fourth level</a:t>
             </a:r>
           </a:p>
           <a:p>
             <a:pPr lvl="4"/>
             <a:r>
-              <a:rPr lang="en-US" smtClean="0"/>
+              <a:rPr lang="en-US"/>
               <a:t>Fifth level</a:t>
             </a:r>
             <a:endParaRPr lang="en-US" dirty="0"/>
@@ -9292,7 +9299,7 @@
           <a:p>
             <a:fld id="{AD9C5A39-4162-464A-B4B6-149EF4FCD530}" type="datetimeFigureOut">
               <a:rPr lang="en-US" smtClean="0"/>
-              <a:t>5/1/2016</a:t>
+              <a:t>5/2/2016</a:t>
             </a:fld>
             <a:endParaRPr lang="en-US"/>
           </a:p>
@@ -9395,7 +9402,7 @@
           </a:lstStyle>
           <a:p>
             <a:r>
-              <a:rPr lang="en-US" smtClean="0"/>
+              <a:rPr lang="en-US"/>
               <a:t>Click to edit Master title style</a:t>
             </a:r>
             <a:endParaRPr lang="en-US" dirty="0"/>
@@ -9419,7 +9426,7 @@
           <a:p>
             <a:fld id="{AD9C5A39-4162-464A-B4B6-149EF4FCD530}" type="datetimeFigureOut">
               <a:rPr lang="en-US" smtClean="0"/>
-              <a:t>5/1/2016</a:t>
+              <a:t>5/2/2016</a:t>
             </a:fld>
             <a:endParaRPr lang="en-US"/>
           </a:p>
@@ -9514,7 +9521,7 @@
           <a:p>
             <a:fld id="{AD9C5A39-4162-464A-B4B6-149EF4FCD530}" type="datetimeFigureOut">
               <a:rPr lang="en-US" smtClean="0"/>
-              <a:t>5/1/2016</a:t>
+              <a:t>5/2/2016</a:t>
             </a:fld>
             <a:endParaRPr lang="en-US"/>
           </a:p>
@@ -10440,7 +10447,7 @@
           </a:lstStyle>
           <a:p>
             <a:r>
-              <a:rPr lang="en-US" smtClean="0"/>
+              <a:rPr lang="en-US"/>
               <a:t>Click to edit Master title style</a:t>
             </a:r>
             <a:endParaRPr lang="en-US" dirty="0"/>
@@ -10471,35 +10478,35 @@
           <a:p>
             <a:pPr lvl="0"/>
             <a:r>
-              <a:rPr lang="en-US" smtClean="0"/>
+              <a:rPr lang="en-US"/>
               <a:t>Click to edit Master text styles</a:t>
             </a:r>
           </a:p>
           <a:p>
             <a:pPr lvl="1"/>
             <a:r>
-              <a:rPr lang="en-US" smtClean="0"/>
+              <a:rPr lang="en-US"/>
               <a:t>Second level</a:t>
             </a:r>
           </a:p>
           <a:p>
             <a:pPr lvl="2"/>
             <a:r>
-              <a:rPr lang="en-US" smtClean="0"/>
+              <a:rPr lang="en-US"/>
               <a:t>Third level</a:t>
             </a:r>
           </a:p>
           <a:p>
             <a:pPr lvl="3"/>
             <a:r>
-              <a:rPr lang="en-US" smtClean="0"/>
+              <a:rPr lang="en-US"/>
               <a:t>Fourth level</a:t>
             </a:r>
           </a:p>
           <a:p>
             <a:pPr lvl="4"/>
             <a:r>
-              <a:rPr lang="en-US" smtClean="0"/>
+              <a:rPr lang="en-US"/>
               <a:t>Fifth level</a:t>
             </a:r>
             <a:endParaRPr lang="en-US" dirty="0"/>
@@ -10572,7 +10579,7 @@
           <a:p>
             <a:pPr lvl="0"/>
             <a:r>
-              <a:rPr lang="en-US" smtClean="0"/>
+              <a:rPr lang="en-US"/>
               <a:t>Click to edit Master text styles</a:t>
             </a:r>
           </a:p>
@@ -10595,7 +10602,7 @@
           <a:p>
             <a:fld id="{AD9C5A39-4162-464A-B4B6-149EF4FCD530}" type="datetimeFigureOut">
               <a:rPr lang="en-US" smtClean="0"/>
-              <a:t>5/1/2016</a:t>
+              <a:t>5/2/2016</a:t>
             </a:fld>
             <a:endParaRPr lang="en-US"/>
           </a:p>
@@ -11523,7 +11530,7 @@
           </a:lstStyle>
           <a:p>
             <a:r>
-              <a:rPr lang="en-US" smtClean="0"/>
+              <a:rPr lang="en-US"/>
               <a:t>Click to edit Master title style</a:t>
             </a:r>
             <a:endParaRPr lang="en-US" dirty="0"/>
@@ -11605,7 +11612,7 @@
               <a:buNone/>
             </a:pPr>
             <a:r>
-              <a:rPr lang="en-US" smtClean="0"/>
+              <a:rPr lang="en-US"/>
               <a:t>Click icon to add picture</a:t>
             </a:r>
             <a:endParaRPr lang="en-US" dirty="0"/>
@@ -11680,7 +11687,7 @@
           <a:p>
             <a:pPr lvl="0"/>
             <a:r>
-              <a:rPr lang="en-US" smtClean="0"/>
+              <a:rPr lang="en-US"/>
               <a:t>Click to edit Master text styles</a:t>
             </a:r>
           </a:p>
@@ -11703,7 +11710,7 @@
           <a:p>
             <a:fld id="{AD9C5A39-4162-464A-B4B6-149EF4FCD530}" type="datetimeFigureOut">
               <a:rPr lang="en-US" smtClean="0"/>
-              <a:t>5/1/2016</a:t>
+              <a:t>5/2/2016</a:t>
             </a:fld>
             <a:endParaRPr lang="en-US"/>
           </a:p>
@@ -12598,7 +12605,7 @@
           <a:lstStyle/>
           <a:p>
             <a:r>
-              <a:rPr lang="en-US" smtClean="0"/>
+              <a:rPr lang="en-US"/>
               <a:t>Click to edit Master title style</a:t>
             </a:r>
             <a:endParaRPr lang="en-US" dirty="0"/>
@@ -12632,35 +12639,35 @@
           <a:p>
             <a:pPr lvl="0"/>
             <a:r>
-              <a:rPr lang="en-US" smtClean="0"/>
+              <a:rPr lang="en-US"/>
               <a:t>Click to edit Master text styles</a:t>
             </a:r>
           </a:p>
           <a:p>
             <a:pPr lvl="1"/>
             <a:r>
-              <a:rPr lang="en-US" smtClean="0"/>
+              <a:rPr lang="en-US"/>
               <a:t>Second level</a:t>
             </a:r>
           </a:p>
           <a:p>
             <a:pPr lvl="2"/>
             <a:r>
-              <a:rPr lang="en-US" smtClean="0"/>
+              <a:rPr lang="en-US"/>
               <a:t>Third level</a:t>
             </a:r>
           </a:p>
           <a:p>
             <a:pPr lvl="3"/>
             <a:r>
-              <a:rPr lang="en-US" smtClean="0"/>
+              <a:rPr lang="en-US"/>
               <a:t>Fourth level</a:t>
             </a:r>
           </a:p>
           <a:p>
             <a:pPr lvl="4"/>
             <a:r>
-              <a:rPr lang="en-US" smtClean="0"/>
+              <a:rPr lang="en-US"/>
               <a:t>Fifth level</a:t>
             </a:r>
             <a:endParaRPr lang="en-US" dirty="0"/>
@@ -12700,7 +12707,7 @@
           <a:p>
             <a:fld id="{AD9C5A39-4162-464A-B4B6-149EF4FCD530}" type="datetimeFigureOut">
               <a:rPr lang="en-US" smtClean="0"/>
-              <a:t>5/1/2016</a:t>
+              <a:t>5/2/2016</a:t>
             </a:fld>
             <a:endParaRPr lang="en-US"/>
           </a:p>
@@ -13275,10 +13282,9 @@
           <a:lstStyle/>
           <a:p>
             <a:r>
-              <a:rPr lang="en-US" dirty="0" smtClean="0"/>
+              <a:rPr lang="en-US" dirty="0"/>
               <a:t>Mouse mocking using Kinect</a:t>
             </a:r>
-            <a:endParaRPr lang="en-US" dirty="0"/>
           </a:p>
         </p:txBody>
       </p:sp>
@@ -13298,19 +13304,19 @@
           <a:lstStyle/>
           <a:p>
             <a:r>
-              <a:rPr lang="en-US" dirty="0" smtClean="0"/>
+              <a:rPr lang="en-US" dirty="0"/>
               <a:t>By </a:t>
             </a:r>
             <a:r>
-              <a:rPr lang="en-US" dirty="0" err="1" smtClean="0"/>
+              <a:rPr lang="en-US" dirty="0" err="1"/>
               <a:t>Amirreza</a:t>
             </a:r>
             <a:r>
-              <a:rPr lang="en-US" dirty="0" smtClean="0"/>
+              <a:rPr lang="en-US" dirty="0"/>
               <a:t> </a:t>
             </a:r>
             <a:r>
-              <a:rPr lang="en-US" dirty="0" err="1" smtClean="0"/>
+              <a:rPr lang="en-US" dirty="0" err="1"/>
               <a:t>Samiei</a:t>
             </a:r>
             <a:endParaRPr lang="en-US" dirty="0"/>
@@ -13363,10 +13369,9 @@
           <a:lstStyle/>
           <a:p>
             <a:r>
-              <a:rPr lang="en-US" dirty="0" smtClean="0"/>
+              <a:rPr lang="en-US" dirty="0"/>
               <a:t>Introduction</a:t>
             </a:r>
-            <a:endParaRPr lang="en-US" dirty="0"/>
           </a:p>
         </p:txBody>
       </p:sp>
@@ -13387,28 +13392,24 @@
           <a:p>
             <a:r>
               <a:rPr lang="en-US" dirty="0"/>
-              <a:t>3D and virtual </a:t>
-            </a:r>
-            <a:r>
-              <a:rPr lang="en-US" dirty="0" smtClean="0"/>
-              <a:t>environments are becoming the norm</a:t>
-            </a:r>
-          </a:p>
-          <a:p>
-            <a:r>
-              <a:rPr lang="en-US" dirty="0" smtClean="0"/>
+              <a:t>3D and virtual environments are becoming the norm</a:t>
+            </a:r>
+          </a:p>
+          <a:p>
+            <a:r>
+              <a:rPr lang="en-US" dirty="0"/>
               <a:t>The need for new 3D input interfaces</a:t>
             </a:r>
           </a:p>
           <a:p>
             <a:r>
-              <a:rPr lang="en-US" dirty="0" smtClean="0"/>
+              <a:rPr lang="en-US" dirty="0"/>
               <a:t>Windows and desktop environments need a redesign to become useful in virtual environments</a:t>
             </a:r>
           </a:p>
           <a:p>
             <a:r>
-              <a:rPr lang="en-US" dirty="0" smtClean="0"/>
+              <a:rPr lang="en-US" dirty="0"/>
               <a:t>Mouse Mocker tries to fill this gap by removing mouse and keyboard constraints in virtual environments</a:t>
             </a:r>
           </a:p>
@@ -13466,10 +13467,9 @@
           <a:lstStyle/>
           <a:p>
             <a:r>
-              <a:rPr lang="en-US" dirty="0" smtClean="0"/>
+              <a:rPr lang="en-US" dirty="0"/>
               <a:t>Goals</a:t>
             </a:r>
-            <a:endParaRPr lang="en-US" dirty="0"/>
           </a:p>
         </p:txBody>
       </p:sp>
@@ -13489,31 +13489,31 @@
           <a:lstStyle/>
           <a:p>
             <a:r>
-              <a:rPr lang="en-US" dirty="0" smtClean="0"/>
+              <a:rPr lang="en-US" dirty="0"/>
               <a:t>Mock mouse movements</a:t>
             </a:r>
           </a:p>
           <a:p>
             <a:r>
-              <a:rPr lang="en-US" dirty="0" smtClean="0"/>
+              <a:rPr lang="en-US" dirty="0"/>
               <a:t>Support basic actions supported by the mouse like clicking and scrolling</a:t>
             </a:r>
           </a:p>
           <a:p>
             <a:r>
-              <a:rPr lang="en-US" dirty="0" smtClean="0"/>
+              <a:rPr lang="en-US" dirty="0"/>
               <a:t>Extend its features by incorporating gestures</a:t>
             </a:r>
           </a:p>
           <a:p>
             <a:r>
-              <a:rPr lang="en-US" dirty="0" smtClean="0"/>
+              <a:rPr lang="en-US" dirty="0"/>
               <a:t>Try to alleviate Kinect jitter problems</a:t>
             </a:r>
           </a:p>
           <a:p>
             <a:r>
-              <a:rPr lang="en-US" dirty="0" smtClean="0"/>
+              <a:rPr lang="en-US" dirty="0"/>
               <a:t>Add an on screen keyboard for typing</a:t>
             </a:r>
           </a:p>
@@ -13568,10 +13568,9 @@
           <a:lstStyle/>
           <a:p>
             <a:r>
-              <a:rPr lang="en-US" dirty="0" smtClean="0"/>
+              <a:rPr lang="en-US" dirty="0"/>
               <a:t>How did I do it?</a:t>
             </a:r>
-            <a:endParaRPr lang="en-US" dirty="0"/>
           </a:p>
         </p:txBody>
       </p:sp>
@@ -13590,7 +13589,28 @@
           <a:bodyPr/>
           <a:lstStyle/>
           <a:p>
-            <a:endParaRPr lang="en-US" dirty="0"/>
+            <a:r>
+              <a:rPr lang="en-US" dirty="0"/>
+              <a:t>Implementation of the Kinect Connector</a:t>
+            </a:r>
+          </a:p>
+          <a:p>
+            <a:r>
+              <a:rPr lang="en-US" dirty="0"/>
+              <a:t>Gesture detection</a:t>
+            </a:r>
+          </a:p>
+          <a:p>
+            <a:r>
+              <a:rPr lang="en-US" dirty="0"/>
+              <a:t>Low-level Windows API</a:t>
+            </a:r>
+          </a:p>
+          <a:p>
+            <a:r>
+              <a:rPr lang="en-US" dirty="0"/>
+              <a:t>On Screen Keyboard</a:t>
+            </a:r>
           </a:p>
         </p:txBody>
       </p:sp>
@@ -13640,10 +13660,9 @@
           <a:lstStyle/>
           <a:p>
             <a:r>
-              <a:rPr lang="en-US" dirty="0" smtClean="0"/>
-              <a:t>What worked? What didn’t?</a:t>
-            </a:r>
-            <a:endParaRPr lang="en-US" dirty="0"/>
+              <a:rPr lang="en-US" dirty="0"/>
+              <a:t>How did I do it?</a:t>
+            </a:r>
           </a:p>
         </p:txBody>
       </p:sp>
@@ -13662,14 +13681,62 @@
           <a:bodyPr/>
           <a:lstStyle/>
           <a:p>
-            <a:endParaRPr lang="en-US"/>
+            <a:r>
+              <a:rPr lang="en-US" dirty="0"/>
+              <a:t>For the Kinect Connector I implemented a joint smoothing algorithm</a:t>
+            </a:r>
+          </a:p>
+          <a:p>
+            <a:r>
+              <a:rPr lang="en-US" dirty="0"/>
+              <a:t>Used </a:t>
+            </a:r>
+            <a:r>
+              <a:rPr lang="en-US" dirty="0" err="1"/>
+              <a:t>Kalman</a:t>
+            </a:r>
+            <a:r>
+              <a:rPr lang="en-US" dirty="0"/>
+              <a:t> joint smoothing instead of double exponential</a:t>
+            </a:r>
+          </a:p>
+          <a:p>
+            <a:r>
+              <a:rPr lang="en-US" dirty="0"/>
+              <a:t>Still the jitter was a problem so I added another smoothing to the data to make is usable for mouse movement</a:t>
+            </a:r>
+          </a:p>
+          <a:p>
+            <a:r>
+              <a:rPr lang="en-US" dirty="0"/>
+              <a:t>For clicking just using hand states wasn’t enough so a timer based algorithm is used</a:t>
+            </a:r>
+          </a:p>
+          <a:p>
+            <a:r>
+              <a:rPr lang="en-US" dirty="0"/>
+              <a:t>On screen keyboard is a </a:t>
+            </a:r>
+            <a:r>
+              <a:rPr lang="en-US" dirty="0" err="1"/>
+              <a:t>wpf</a:t>
+            </a:r>
+            <a:r>
+              <a:rPr lang="en-US" dirty="0"/>
+              <a:t> keyboard changed and tailored to be used without clicking and able to pass data to other applications using low-level </a:t>
+            </a:r>
+            <a:r>
+              <a:rPr lang="en-US" dirty="0" err="1"/>
+              <a:t>api</a:t>
+            </a:r>
+            <a:endParaRPr lang="en-US" dirty="0"/>
           </a:p>
         </p:txBody>
       </p:sp>
     </p:spTree>
     <p:extLst>
       <p:ext uri="{BB962C8B-B14F-4D97-AF65-F5344CB8AC3E}">
-        <p14:creationId xmlns:p14="http://schemas.microsoft.com/office/powerpoint/2010/main" val="4187845678"/>
+        <p14:creationId xmlns:p14="http://schemas.microsoft.com/office/powerpoint/2010/main" val="648446922"/>
       </p:ext>
     </p:extLst>
   </p:cSld>
@@ -13712,14 +13779,9 @@
           <a:lstStyle/>
           <a:p>
             <a:r>
-              <a:rPr lang="en-US" dirty="0" smtClean="0"/>
-              <a:t>Areas </a:t>
-            </a:r>
-            <a:r>
-              <a:rPr lang="en-US" smtClean="0"/>
-              <a:t>for future</a:t>
-            </a:r>
-            <a:endParaRPr lang="en-US"/>
+              <a:rPr lang="en-US" dirty="0"/>
+              <a:t>How did I do it?</a:t>
+            </a:r>
           </a:p>
         </p:txBody>
       </p:sp>
@@ -13738,7 +13800,255 @@
           <a:bodyPr/>
           <a:lstStyle/>
           <a:p>
-            <a:endParaRPr lang="en-US"/>
+            <a:r>
+              <a:rPr lang="en-US" dirty="0"/>
+              <a:t>The low-level windows </a:t>
+            </a:r>
+            <a:r>
+              <a:rPr lang="en-US" dirty="0" err="1"/>
+              <a:t>api</a:t>
+            </a:r>
+            <a:r>
+              <a:rPr lang="en-US" dirty="0"/>
+              <a:t> is a combination of </a:t>
+            </a:r>
+            <a:r>
+              <a:rPr lang="en-US" dirty="0" err="1"/>
+              <a:t>WindowsInput</a:t>
+            </a:r>
+            <a:r>
+              <a:rPr lang="en-US" dirty="0"/>
+              <a:t> library for simulations and </a:t>
+            </a:r>
+            <a:r>
+              <a:rPr lang="en-US" dirty="0" err="1"/>
+              <a:t>dll</a:t>
+            </a:r>
+            <a:r>
+              <a:rPr lang="en-US" dirty="0"/>
+              <a:t> calls for invoking custom functions</a:t>
+            </a:r>
+          </a:p>
+          <a:p>
+            <a:r>
+              <a:rPr lang="en-US" dirty="0"/>
+              <a:t>For recognizing gestures instead of relying on Kinect to detect gestures, I used a point pattern analysis algorithm</a:t>
+            </a:r>
+          </a:p>
+          <a:p>
+            <a:r>
+              <a:rPr lang="en-US" dirty="0"/>
+              <a:t>The gesture recognition system is extendable using plugins and new actions and gestures may be defined at anytime</a:t>
+            </a:r>
+          </a:p>
+          <a:p>
+            <a:endParaRPr lang="en-US" dirty="0"/>
+          </a:p>
+        </p:txBody>
+      </p:sp>
+    </p:spTree>
+    <p:extLst>
+      <p:ext uri="{BB962C8B-B14F-4D97-AF65-F5344CB8AC3E}">
+        <p14:creationId xmlns:p14="http://schemas.microsoft.com/office/powerpoint/2010/main" val="3869192038"/>
+      </p:ext>
+    </p:extLst>
+  </p:cSld>
+  <p:clrMapOvr>
+    <a:masterClrMapping/>
+  </p:clrMapOvr>
+</p:sld>
+</file>
+
+<file path=ppt/slides/slide7.xml><?xml version="1.0" encoding="utf-8"?>
+<p:sld xmlns:a="http://schemas.openxmlformats.org/drawingml/2006/main" xmlns:r="http://schemas.openxmlformats.org/officeDocument/2006/relationships" xmlns:p="http://schemas.openxmlformats.org/presentationml/2006/main">
+  <p:cSld>
+    <p:spTree>
+      <p:nvGrpSpPr>
+        <p:cNvPr id="1" name=""/>
+        <p:cNvGrpSpPr/>
+        <p:nvPr/>
+      </p:nvGrpSpPr>
+      <p:grpSpPr>
+        <a:xfrm>
+          <a:off x="0" y="0"/>
+          <a:ext cx="0" cy="0"/>
+          <a:chOff x="0" y="0"/>
+          <a:chExt cx="0" cy="0"/>
+        </a:xfrm>
+      </p:grpSpPr>
+      <p:sp>
+        <p:nvSpPr>
+          <p:cNvPr id="2" name="Title 1"/>
+          <p:cNvSpPr>
+            <a:spLocks noGrp="1"/>
+          </p:cNvSpPr>
+          <p:nvPr>
+            <p:ph type="title"/>
+          </p:nvPr>
+        </p:nvSpPr>
+        <p:spPr/>
+        <p:txBody>
+          <a:bodyPr/>
+          <a:lstStyle/>
+          <a:p>
+            <a:r>
+              <a:rPr lang="en-US" dirty="0"/>
+              <a:t>What worked? What didn’t?</a:t>
+            </a:r>
+          </a:p>
+        </p:txBody>
+      </p:sp>
+      <p:sp>
+        <p:nvSpPr>
+          <p:cNvPr id="3" name="Content Placeholder 2"/>
+          <p:cNvSpPr>
+            <a:spLocks noGrp="1"/>
+          </p:cNvSpPr>
+          <p:nvPr>
+            <p:ph idx="1"/>
+          </p:nvPr>
+        </p:nvSpPr>
+        <p:spPr/>
+        <p:txBody>
+          <a:bodyPr/>
+          <a:lstStyle/>
+          <a:p>
+            <a:r>
+              <a:rPr lang="en-US" dirty="0"/>
+              <a:t>The 3d dimension (i.e. z) could not be implemented because of lack of support from underlying </a:t>
+            </a:r>
+            <a:r>
+              <a:rPr lang="en-US" dirty="0" err="1"/>
+              <a:t>api’s</a:t>
+            </a:r>
+            <a:r>
+              <a:rPr lang="en-US" dirty="0"/>
+              <a:t> and a new driver for each different application had to be developed which was both time consuming and impractical, so it was dropped</a:t>
+            </a:r>
+          </a:p>
+          <a:p>
+            <a:r>
+              <a:rPr lang="en-US" dirty="0"/>
+              <a:t>The window movement between screens couldn’t be implemented because of various methods required to implement the screen capturing (i.e. GDI, DirectX, </a:t>
+            </a:r>
+            <a:r>
+              <a:rPr lang="en-US" dirty="0" err="1"/>
+              <a:t>etc</a:t>
+            </a:r>
+            <a:r>
+              <a:rPr lang="en-US" dirty="0"/>
+              <a:t>) and yet most of them were faulty and not usable, though to some extent it was done and may be used later</a:t>
+            </a:r>
+          </a:p>
+          <a:p>
+            <a:r>
+              <a:rPr lang="en-US" dirty="0"/>
+              <a:t>The other parts of the system worked fine as expected</a:t>
+            </a:r>
+          </a:p>
+        </p:txBody>
+      </p:sp>
+    </p:spTree>
+    <p:extLst>
+      <p:ext uri="{BB962C8B-B14F-4D97-AF65-F5344CB8AC3E}">
+        <p14:creationId xmlns:p14="http://schemas.microsoft.com/office/powerpoint/2010/main" val="4187845678"/>
+      </p:ext>
+    </p:extLst>
+  </p:cSld>
+  <p:clrMapOvr>
+    <a:masterClrMapping/>
+  </p:clrMapOvr>
+</p:sld>
+</file>
+
+<file path=ppt/slides/slide8.xml><?xml version="1.0" encoding="utf-8"?>
+<p:sld xmlns:a="http://schemas.openxmlformats.org/drawingml/2006/main" xmlns:r="http://schemas.openxmlformats.org/officeDocument/2006/relationships" xmlns:p="http://schemas.openxmlformats.org/presentationml/2006/main">
+  <p:cSld>
+    <p:spTree>
+      <p:nvGrpSpPr>
+        <p:cNvPr id="1" name=""/>
+        <p:cNvGrpSpPr/>
+        <p:nvPr/>
+      </p:nvGrpSpPr>
+      <p:grpSpPr>
+        <a:xfrm>
+          <a:off x="0" y="0"/>
+          <a:ext cx="0" cy="0"/>
+          <a:chOff x="0" y="0"/>
+          <a:chExt cx="0" cy="0"/>
+        </a:xfrm>
+      </p:grpSpPr>
+      <p:sp>
+        <p:nvSpPr>
+          <p:cNvPr id="2" name="Title 1"/>
+          <p:cNvSpPr>
+            <a:spLocks noGrp="1"/>
+          </p:cNvSpPr>
+          <p:nvPr>
+            <p:ph type="title"/>
+          </p:nvPr>
+        </p:nvSpPr>
+        <p:spPr/>
+        <p:txBody>
+          <a:bodyPr/>
+          <a:lstStyle/>
+          <a:p>
+            <a:r>
+              <a:rPr lang="en-US" dirty="0"/>
+              <a:t>Areas </a:t>
+            </a:r>
+            <a:r>
+              <a:rPr lang="en-US"/>
+              <a:t>for future</a:t>
+            </a:r>
+          </a:p>
+        </p:txBody>
+      </p:sp>
+      <p:sp>
+        <p:nvSpPr>
+          <p:cNvPr id="3" name="Content Placeholder 2"/>
+          <p:cNvSpPr>
+            <a:spLocks noGrp="1"/>
+          </p:cNvSpPr>
+          <p:nvPr>
+            <p:ph idx="1"/>
+          </p:nvPr>
+        </p:nvSpPr>
+        <p:spPr/>
+        <p:txBody>
+          <a:bodyPr/>
+          <a:lstStyle/>
+          <a:p>
+            <a:r>
+              <a:rPr lang="en-US" dirty="0"/>
+              <a:t>Extending current features to the 3d environment by designing a 3d desktop</a:t>
+            </a:r>
+          </a:p>
+          <a:p>
+            <a:r>
+              <a:rPr lang="en-US" dirty="0"/>
+              <a:t>Design of a usable desktop to be used in virtual and augmented environments</a:t>
+            </a:r>
+          </a:p>
+          <a:p>
+            <a:r>
+              <a:rPr lang="en-US" dirty="0"/>
+              <a:t>Using Kinect camera for finger detection (as they are already working on) to extend gestures available</a:t>
+            </a:r>
+          </a:p>
+          <a:p>
+            <a:r>
+              <a:rPr lang="en-US" dirty="0"/>
+              <a:t>Find a better way </a:t>
+            </a:r>
+            <a:r>
+              <a:rPr lang="en-US"/>
+              <a:t>of keyboard-less </a:t>
+            </a:r>
+            <a:r>
+              <a:rPr lang="en-US" dirty="0"/>
+              <a:t>typing</a:t>
+            </a:r>
           </a:p>
         </p:txBody>
       </p:sp>
